--- a/二组展示_10_24-.pptx
+++ b/二组展示_10_24-.pptx
@@ -13,7 +13,7 @@
   <p:sldIdLst>
     <p:sldId id="258" r:id="rId2"/>
     <p:sldId id="256" r:id="rId3"/>
-    <p:sldId id="259" r:id="rId4"/>
+    <p:sldId id="321" r:id="rId4"/>
     <p:sldId id="261" r:id="rId5"/>
     <p:sldId id="317" r:id="rId6"/>
     <p:sldId id="274" r:id="rId7"/>
@@ -16287,6 +16287,11 @@
         </p:txBody>
       </p:sp>
     </p:spTree>
+    <p:extLst>
+      <p:ext uri="{BB962C8B-B14F-4D97-AF65-F5344CB8AC3E}">
+        <p14:creationId xmlns:p14="http://schemas.microsoft.com/office/powerpoint/2010/main" val="1536378685"/>
+      </p:ext>
+    </p:extLst>
   </p:cSld>
   <p:clrMapOvr>
     <a:masterClrMapping/>
@@ -19825,7 +19830,7 @@
           <p:cNvPr id="4" name="矩形 3">
             <a:extLst>
               <a:ext uri="{FF2B5EF4-FFF2-40B4-BE49-F238E27FC236}">
-                <a16:creationId xmlns="" xmlns:a16="http://schemas.microsoft.com/office/drawing/2014/main" id="{4037BD16-B073-41FD-A35E-B8B520F88CC2}"/>
+                <a16:creationId xmlns:a16="http://schemas.microsoft.com/office/drawing/2014/main" xmlns="" id="{4037BD16-B073-41FD-A35E-B8B520F88CC2}"/>
               </a:ext>
             </a:extLst>
           </p:cNvPr>
@@ -19881,7 +19886,7 @@
           <p:cNvPr id="5" name="矩形 4">
             <a:extLst>
               <a:ext uri="{FF2B5EF4-FFF2-40B4-BE49-F238E27FC236}">
-                <a16:creationId xmlns="" xmlns:a16="http://schemas.microsoft.com/office/drawing/2014/main" id="{73242049-02DD-4909-A189-B029C4034C5E}"/>
+                <a16:creationId xmlns:a16="http://schemas.microsoft.com/office/drawing/2014/main" xmlns="" id="{73242049-02DD-4909-A189-B029C4034C5E}"/>
               </a:ext>
             </a:extLst>
           </p:cNvPr>
@@ -19942,7 +19947,7 @@
           <p:cNvPr id="2" name="文本框 1">
             <a:extLst>
               <a:ext uri="{FF2B5EF4-FFF2-40B4-BE49-F238E27FC236}">
-                <a16:creationId xmlns="" xmlns:a16="http://schemas.microsoft.com/office/drawing/2014/main" id="{953E4B71-FCEA-4A13-A307-9A8DA86BD2D2}"/>
+                <a16:creationId xmlns:a16="http://schemas.microsoft.com/office/drawing/2014/main" xmlns="" id="{953E4B71-FCEA-4A13-A307-9A8DA86BD2D2}"/>
               </a:ext>
             </a:extLst>
           </p:cNvPr>
@@ -19994,7 +19999,7 @@
           <p:cNvPr id="6" name="矩形 5">
             <a:extLst>
               <a:ext uri="{FF2B5EF4-FFF2-40B4-BE49-F238E27FC236}">
-                <a16:creationId xmlns="" xmlns:a16="http://schemas.microsoft.com/office/drawing/2014/main" id="{3A693D4A-4FE3-49F7-91BD-2294852002EF}"/>
+                <a16:creationId xmlns:a16="http://schemas.microsoft.com/office/drawing/2014/main" xmlns="" id="{3A693D4A-4FE3-49F7-91BD-2294852002EF}"/>
               </a:ext>
             </a:extLst>
           </p:cNvPr>
@@ -20059,7 +20064,7 @@
           <p:cNvPr id="7" name="矩形 6">
             <a:extLst>
               <a:ext uri="{FF2B5EF4-FFF2-40B4-BE49-F238E27FC236}">
-                <a16:creationId xmlns="" xmlns:a16="http://schemas.microsoft.com/office/drawing/2014/main" id="{A4DC0746-C147-4F06-9880-3FD2A992B5D4}"/>
+                <a16:creationId xmlns:a16="http://schemas.microsoft.com/office/drawing/2014/main" xmlns="" id="{A4DC0746-C147-4F06-9880-3FD2A992B5D4}"/>
               </a:ext>
             </a:extLst>
           </p:cNvPr>
@@ -20124,7 +20129,7 @@
           <p:cNvPr id="8" name="矩形 7">
             <a:extLst>
               <a:ext uri="{FF2B5EF4-FFF2-40B4-BE49-F238E27FC236}">
-                <a16:creationId xmlns="" xmlns:a16="http://schemas.microsoft.com/office/drawing/2014/main" id="{29141F95-BD4E-4B12-BB86-3C51FEC4F76D}"/>
+                <a16:creationId xmlns:a16="http://schemas.microsoft.com/office/drawing/2014/main" xmlns="" id="{29141F95-BD4E-4B12-BB86-3C51FEC4F76D}"/>
               </a:ext>
             </a:extLst>
           </p:cNvPr>
@@ -20189,7 +20194,7 @@
           <p:cNvPr id="9" name="矩形 8">
             <a:extLst>
               <a:ext uri="{FF2B5EF4-FFF2-40B4-BE49-F238E27FC236}">
-                <a16:creationId xmlns="" xmlns:a16="http://schemas.microsoft.com/office/drawing/2014/main" id="{60DDD1A5-4783-4F1F-A987-7B1DC0808570}"/>
+                <a16:creationId xmlns:a16="http://schemas.microsoft.com/office/drawing/2014/main" xmlns="" id="{60DDD1A5-4783-4F1F-A987-7B1DC0808570}"/>
               </a:ext>
             </a:extLst>
           </p:cNvPr>
@@ -20254,7 +20259,7 @@
           <p:cNvPr id="10" name="文本框 9">
             <a:extLst>
               <a:ext uri="{FF2B5EF4-FFF2-40B4-BE49-F238E27FC236}">
-                <a16:creationId xmlns="" xmlns:a16="http://schemas.microsoft.com/office/drawing/2014/main" id="{BD9DFC93-BD23-4507-9B20-87A1825C4D96}"/>
+                <a16:creationId xmlns:a16="http://schemas.microsoft.com/office/drawing/2014/main" xmlns="" id="{BD9DFC93-BD23-4507-9B20-87A1825C4D96}"/>
               </a:ext>
             </a:extLst>
           </p:cNvPr>
@@ -20331,7 +20336,7 @@
           <p:cNvPr id="11" name="文本框 10">
             <a:extLst>
               <a:ext uri="{FF2B5EF4-FFF2-40B4-BE49-F238E27FC236}">
-                <a16:creationId xmlns="" xmlns:a16="http://schemas.microsoft.com/office/drawing/2014/main" id="{D58EB8A9-E0D5-4552-89D3-93ECD2EDA58A}"/>
+                <a16:creationId xmlns:a16="http://schemas.microsoft.com/office/drawing/2014/main" xmlns="" id="{D58EB8A9-E0D5-4552-89D3-93ECD2EDA58A}"/>
               </a:ext>
             </a:extLst>
           </p:cNvPr>
@@ -20395,7 +20400,7 @@
           <p:cNvPr id="12" name="文本框 11">
             <a:extLst>
               <a:ext uri="{FF2B5EF4-FFF2-40B4-BE49-F238E27FC236}">
-                <a16:creationId xmlns="" xmlns:a16="http://schemas.microsoft.com/office/drawing/2014/main" id="{4A5556B8-46C0-4A9A-ADFF-30F07B515CE5}"/>
+                <a16:creationId xmlns:a16="http://schemas.microsoft.com/office/drawing/2014/main" xmlns="" id="{4A5556B8-46C0-4A9A-ADFF-30F07B515CE5}"/>
               </a:ext>
             </a:extLst>
           </p:cNvPr>
@@ -20459,7 +20464,7 @@
           <p:cNvPr id="13" name="文本框 12">
             <a:extLst>
               <a:ext uri="{FF2B5EF4-FFF2-40B4-BE49-F238E27FC236}">
-                <a16:creationId xmlns="" xmlns:a16="http://schemas.microsoft.com/office/drawing/2014/main" id="{7BB35B4A-5005-41C2-B308-DBAA1EE4A462}"/>
+                <a16:creationId xmlns:a16="http://schemas.microsoft.com/office/drawing/2014/main" xmlns="" id="{7BB35B4A-5005-41C2-B308-DBAA1EE4A462}"/>
               </a:ext>
             </a:extLst>
           </p:cNvPr>
@@ -20523,7 +20528,7 @@
           <p:cNvPr id="14" name="文本框 13">
             <a:extLst>
               <a:ext uri="{FF2B5EF4-FFF2-40B4-BE49-F238E27FC236}">
-                <a16:creationId xmlns="" xmlns:a16="http://schemas.microsoft.com/office/drawing/2014/main" id="{E0781106-EE04-4076-8215-DB40BA9DD59E}"/>
+                <a16:creationId xmlns:a16="http://schemas.microsoft.com/office/drawing/2014/main" xmlns="" id="{E0781106-EE04-4076-8215-DB40BA9DD59E}"/>
               </a:ext>
             </a:extLst>
           </p:cNvPr>
@@ -20941,7 +20946,7 @@
           <p:cNvPr id="4" name="矩形 3">
             <a:extLst>
               <a:ext uri="{FF2B5EF4-FFF2-40B4-BE49-F238E27FC236}">
-                <a16:creationId xmlns="" xmlns:a16="http://schemas.microsoft.com/office/drawing/2014/main" id="{4037BD16-B073-41FD-A35E-B8B520F88CC2}"/>
+                <a16:creationId xmlns:a16="http://schemas.microsoft.com/office/drawing/2014/main" xmlns="" id="{4037BD16-B073-41FD-A35E-B8B520F88CC2}"/>
               </a:ext>
             </a:extLst>
           </p:cNvPr>
@@ -20993,7 +20998,7 @@
           <p:cNvPr id="5" name="矩形 4">
             <a:extLst>
               <a:ext uri="{FF2B5EF4-FFF2-40B4-BE49-F238E27FC236}">
-                <a16:creationId xmlns="" xmlns:a16="http://schemas.microsoft.com/office/drawing/2014/main" id="{73242049-02DD-4909-A189-B029C4034C5E}"/>
+                <a16:creationId xmlns:a16="http://schemas.microsoft.com/office/drawing/2014/main" xmlns="" id="{73242049-02DD-4909-A189-B029C4034C5E}"/>
               </a:ext>
             </a:extLst>
           </p:cNvPr>
@@ -21054,7 +21059,7 @@
           <p:cNvPr id="2" name="文本框 1">
             <a:extLst>
               <a:ext uri="{FF2B5EF4-FFF2-40B4-BE49-F238E27FC236}">
-                <a16:creationId xmlns="" xmlns:a16="http://schemas.microsoft.com/office/drawing/2014/main" id="{953E4B71-FCEA-4A13-A307-9A8DA86BD2D2}"/>
+                <a16:creationId xmlns:a16="http://schemas.microsoft.com/office/drawing/2014/main" xmlns="" id="{953E4B71-FCEA-4A13-A307-9A8DA86BD2D2}"/>
               </a:ext>
             </a:extLst>
           </p:cNvPr>
@@ -21086,7 +21091,7 @@
           <p:cNvPr id="6" name="文本框 5">
             <a:extLst>
               <a:ext uri="{FF2B5EF4-FFF2-40B4-BE49-F238E27FC236}">
-                <a16:creationId xmlns="" xmlns:a16="http://schemas.microsoft.com/office/drawing/2014/main" id="{C865DEAC-7F6C-478D-B248-B49BABEE2B55}"/>
+                <a16:creationId xmlns:a16="http://schemas.microsoft.com/office/drawing/2014/main" xmlns="" id="{C865DEAC-7F6C-478D-B248-B49BABEE2B55}"/>
               </a:ext>
             </a:extLst>
           </p:cNvPr>
@@ -21184,7 +21189,7 @@
           <p:cNvPr id="7" name="图片 6">
             <a:extLst>
               <a:ext uri="{FF2B5EF4-FFF2-40B4-BE49-F238E27FC236}">
-                <a16:creationId xmlns="" xmlns:a16="http://schemas.microsoft.com/office/drawing/2014/main" id="{1E3D9E72-69D0-49FB-8CE0-EB634CDC9EF1}"/>
+                <a16:creationId xmlns:a16="http://schemas.microsoft.com/office/drawing/2014/main" xmlns="" id="{1E3D9E72-69D0-49FB-8CE0-EB634CDC9EF1}"/>
               </a:ext>
             </a:extLst>
           </p:cNvPr>
@@ -21214,7 +21219,7 @@
           <p:cNvPr id="8" name="文本框 7">
             <a:extLst>
               <a:ext uri="{FF2B5EF4-FFF2-40B4-BE49-F238E27FC236}">
-                <a16:creationId xmlns="" xmlns:a16="http://schemas.microsoft.com/office/drawing/2014/main" id="{F8BB654E-00CA-4767-9F36-8893E3DE510B}"/>
+                <a16:creationId xmlns:a16="http://schemas.microsoft.com/office/drawing/2014/main" xmlns="" id="{F8BB654E-00CA-4767-9F36-8893E3DE510B}"/>
               </a:ext>
             </a:extLst>
           </p:cNvPr>
@@ -21493,7 +21498,7 @@
           <p:cNvPr id="4" name="矩形 3">
             <a:extLst>
               <a:ext uri="{FF2B5EF4-FFF2-40B4-BE49-F238E27FC236}">
-                <a16:creationId xmlns="" xmlns:a16="http://schemas.microsoft.com/office/drawing/2014/main" id="{4037BD16-B073-41FD-A35E-B8B520F88CC2}"/>
+                <a16:creationId xmlns:a16="http://schemas.microsoft.com/office/drawing/2014/main" xmlns="" id="{4037BD16-B073-41FD-A35E-B8B520F88CC2}"/>
               </a:ext>
             </a:extLst>
           </p:cNvPr>
@@ -21545,7 +21550,7 @@
           <p:cNvPr id="5" name="矩形 4">
             <a:extLst>
               <a:ext uri="{FF2B5EF4-FFF2-40B4-BE49-F238E27FC236}">
-                <a16:creationId xmlns="" xmlns:a16="http://schemas.microsoft.com/office/drawing/2014/main" id="{73242049-02DD-4909-A189-B029C4034C5E}"/>
+                <a16:creationId xmlns:a16="http://schemas.microsoft.com/office/drawing/2014/main" xmlns="" id="{73242049-02DD-4909-A189-B029C4034C5E}"/>
               </a:ext>
             </a:extLst>
           </p:cNvPr>
@@ -21606,7 +21611,7 @@
           <p:cNvPr id="2" name="文本框 1">
             <a:extLst>
               <a:ext uri="{FF2B5EF4-FFF2-40B4-BE49-F238E27FC236}">
-                <a16:creationId xmlns="" xmlns:a16="http://schemas.microsoft.com/office/drawing/2014/main" id="{953E4B71-FCEA-4A13-A307-9A8DA86BD2D2}"/>
+                <a16:creationId xmlns:a16="http://schemas.microsoft.com/office/drawing/2014/main" xmlns="" id="{953E4B71-FCEA-4A13-A307-9A8DA86BD2D2}"/>
               </a:ext>
             </a:extLst>
           </p:cNvPr>
@@ -21638,7 +21643,7 @@
           <p:cNvPr id="6" name="文本框 5">
             <a:extLst>
               <a:ext uri="{FF2B5EF4-FFF2-40B4-BE49-F238E27FC236}">
-                <a16:creationId xmlns="" xmlns:a16="http://schemas.microsoft.com/office/drawing/2014/main" id="{C865DEAC-7F6C-478D-B248-B49BABEE2B55}"/>
+                <a16:creationId xmlns:a16="http://schemas.microsoft.com/office/drawing/2014/main" xmlns="" id="{C865DEAC-7F6C-478D-B248-B49BABEE2B55}"/>
               </a:ext>
             </a:extLst>
           </p:cNvPr>
@@ -21736,7 +21741,7 @@
           <p:cNvPr id="7" name="图片 6">
             <a:extLst>
               <a:ext uri="{FF2B5EF4-FFF2-40B4-BE49-F238E27FC236}">
-                <a16:creationId xmlns="" xmlns:a16="http://schemas.microsoft.com/office/drawing/2014/main" id="{1E3D9E72-69D0-49FB-8CE0-EB634CDC9EF1}"/>
+                <a16:creationId xmlns:a16="http://schemas.microsoft.com/office/drawing/2014/main" xmlns="" id="{1E3D9E72-69D0-49FB-8CE0-EB634CDC9EF1}"/>
               </a:ext>
             </a:extLst>
           </p:cNvPr>
@@ -21766,7 +21771,7 @@
           <p:cNvPr id="8" name="文本框 7">
             <a:extLst>
               <a:ext uri="{FF2B5EF4-FFF2-40B4-BE49-F238E27FC236}">
-                <a16:creationId xmlns="" xmlns:a16="http://schemas.microsoft.com/office/drawing/2014/main" id="{F8BB654E-00CA-4767-9F36-8893E3DE510B}"/>
+                <a16:creationId xmlns:a16="http://schemas.microsoft.com/office/drawing/2014/main" xmlns="" id="{F8BB654E-00CA-4767-9F36-8893E3DE510B}"/>
               </a:ext>
             </a:extLst>
           </p:cNvPr>
@@ -21886,7 +21891,7 @@
           <p:cNvPr id="4" name="矩形 3">
             <a:extLst>
               <a:ext uri="{FF2B5EF4-FFF2-40B4-BE49-F238E27FC236}">
-                <a16:creationId xmlns="" xmlns:a16="http://schemas.microsoft.com/office/drawing/2014/main" id="{4037BD16-B073-41FD-A35E-B8B520F88CC2}"/>
+                <a16:creationId xmlns:a16="http://schemas.microsoft.com/office/drawing/2014/main" xmlns="" id="{4037BD16-B073-41FD-A35E-B8B520F88CC2}"/>
               </a:ext>
             </a:extLst>
           </p:cNvPr>
@@ -21938,7 +21943,7 @@
           <p:cNvPr id="5" name="矩形 4">
             <a:extLst>
               <a:ext uri="{FF2B5EF4-FFF2-40B4-BE49-F238E27FC236}">
-                <a16:creationId xmlns="" xmlns:a16="http://schemas.microsoft.com/office/drawing/2014/main" id="{73242049-02DD-4909-A189-B029C4034C5E}"/>
+                <a16:creationId xmlns:a16="http://schemas.microsoft.com/office/drawing/2014/main" xmlns="" id="{73242049-02DD-4909-A189-B029C4034C5E}"/>
               </a:ext>
             </a:extLst>
           </p:cNvPr>
@@ -21999,7 +22004,7 @@
           <p:cNvPr id="2" name="文本框 1">
             <a:extLst>
               <a:ext uri="{FF2B5EF4-FFF2-40B4-BE49-F238E27FC236}">
-                <a16:creationId xmlns="" xmlns:a16="http://schemas.microsoft.com/office/drawing/2014/main" id="{953E4B71-FCEA-4A13-A307-9A8DA86BD2D2}"/>
+                <a16:creationId xmlns:a16="http://schemas.microsoft.com/office/drawing/2014/main" xmlns="" id="{953E4B71-FCEA-4A13-A307-9A8DA86BD2D2}"/>
               </a:ext>
             </a:extLst>
           </p:cNvPr>
@@ -22031,7 +22036,7 @@
           <p:cNvPr id="6" name="文本框 5">
             <a:extLst>
               <a:ext uri="{FF2B5EF4-FFF2-40B4-BE49-F238E27FC236}">
-                <a16:creationId xmlns="" xmlns:a16="http://schemas.microsoft.com/office/drawing/2014/main" id="{C865DEAC-7F6C-478D-B248-B49BABEE2B55}"/>
+                <a16:creationId xmlns:a16="http://schemas.microsoft.com/office/drawing/2014/main" xmlns="" id="{C865DEAC-7F6C-478D-B248-B49BABEE2B55}"/>
               </a:ext>
             </a:extLst>
           </p:cNvPr>
@@ -22129,7 +22134,7 @@
           <p:cNvPr id="7" name="图片 6">
             <a:extLst>
               <a:ext uri="{FF2B5EF4-FFF2-40B4-BE49-F238E27FC236}">
-                <a16:creationId xmlns="" xmlns:a16="http://schemas.microsoft.com/office/drawing/2014/main" id="{1E3D9E72-69D0-49FB-8CE0-EB634CDC9EF1}"/>
+                <a16:creationId xmlns:a16="http://schemas.microsoft.com/office/drawing/2014/main" xmlns="" id="{1E3D9E72-69D0-49FB-8CE0-EB634CDC9EF1}"/>
               </a:ext>
             </a:extLst>
           </p:cNvPr>
@@ -22159,7 +22164,7 @@
           <p:cNvPr id="8" name="文本框 7">
             <a:extLst>
               <a:ext uri="{FF2B5EF4-FFF2-40B4-BE49-F238E27FC236}">
-                <a16:creationId xmlns="" xmlns:a16="http://schemas.microsoft.com/office/drawing/2014/main" id="{F8BB654E-00CA-4767-9F36-8893E3DE510B}"/>
+                <a16:creationId xmlns:a16="http://schemas.microsoft.com/office/drawing/2014/main" xmlns="" id="{F8BB654E-00CA-4767-9F36-8893E3DE510B}"/>
               </a:ext>
             </a:extLst>
           </p:cNvPr>
@@ -22531,7 +22536,7 @@
           <p:cNvPr id="4" name="矩形 3">
             <a:extLst>
               <a:ext uri="{FF2B5EF4-FFF2-40B4-BE49-F238E27FC236}">
-                <a16:creationId xmlns="" xmlns:a16="http://schemas.microsoft.com/office/drawing/2014/main" id="{4037BD16-B073-41FD-A35E-B8B520F88CC2}"/>
+                <a16:creationId xmlns:a16="http://schemas.microsoft.com/office/drawing/2014/main" xmlns="" id="{4037BD16-B073-41FD-A35E-B8B520F88CC2}"/>
               </a:ext>
             </a:extLst>
           </p:cNvPr>
@@ -22583,7 +22588,7 @@
           <p:cNvPr id="5" name="矩形 4">
             <a:extLst>
               <a:ext uri="{FF2B5EF4-FFF2-40B4-BE49-F238E27FC236}">
-                <a16:creationId xmlns="" xmlns:a16="http://schemas.microsoft.com/office/drawing/2014/main" id="{73242049-02DD-4909-A189-B029C4034C5E}"/>
+                <a16:creationId xmlns:a16="http://schemas.microsoft.com/office/drawing/2014/main" xmlns="" id="{73242049-02DD-4909-A189-B029C4034C5E}"/>
               </a:ext>
             </a:extLst>
           </p:cNvPr>
@@ -22644,7 +22649,7 @@
           <p:cNvPr id="2" name="文本框 1">
             <a:extLst>
               <a:ext uri="{FF2B5EF4-FFF2-40B4-BE49-F238E27FC236}">
-                <a16:creationId xmlns="" xmlns:a16="http://schemas.microsoft.com/office/drawing/2014/main" id="{953E4B71-FCEA-4A13-A307-9A8DA86BD2D2}"/>
+                <a16:creationId xmlns:a16="http://schemas.microsoft.com/office/drawing/2014/main" xmlns="" id="{953E4B71-FCEA-4A13-A307-9A8DA86BD2D2}"/>
               </a:ext>
             </a:extLst>
           </p:cNvPr>
@@ -22676,7 +22681,7 @@
           <p:cNvPr id="6" name="文本框 5">
             <a:extLst>
               <a:ext uri="{FF2B5EF4-FFF2-40B4-BE49-F238E27FC236}">
-                <a16:creationId xmlns="" xmlns:a16="http://schemas.microsoft.com/office/drawing/2014/main" id="{C865DEAC-7F6C-478D-B248-B49BABEE2B55}"/>
+                <a16:creationId xmlns:a16="http://schemas.microsoft.com/office/drawing/2014/main" xmlns="" id="{C865DEAC-7F6C-478D-B248-B49BABEE2B55}"/>
               </a:ext>
             </a:extLst>
           </p:cNvPr>
@@ -22774,7 +22779,7 @@
           <p:cNvPr id="7" name="图片 6">
             <a:extLst>
               <a:ext uri="{FF2B5EF4-FFF2-40B4-BE49-F238E27FC236}">
-                <a16:creationId xmlns="" xmlns:a16="http://schemas.microsoft.com/office/drawing/2014/main" id="{1E3D9E72-69D0-49FB-8CE0-EB634CDC9EF1}"/>
+                <a16:creationId xmlns:a16="http://schemas.microsoft.com/office/drawing/2014/main" xmlns="" id="{1E3D9E72-69D0-49FB-8CE0-EB634CDC9EF1}"/>
               </a:ext>
             </a:extLst>
           </p:cNvPr>
@@ -22804,7 +22809,7 @@
           <p:cNvPr id="8" name="文本框 7">
             <a:extLst>
               <a:ext uri="{FF2B5EF4-FFF2-40B4-BE49-F238E27FC236}">
-                <a16:creationId xmlns="" xmlns:a16="http://schemas.microsoft.com/office/drawing/2014/main" id="{F8BB654E-00CA-4767-9F36-8893E3DE510B}"/>
+                <a16:creationId xmlns:a16="http://schemas.microsoft.com/office/drawing/2014/main" xmlns="" id="{F8BB654E-00CA-4767-9F36-8893E3DE510B}"/>
               </a:ext>
             </a:extLst>
           </p:cNvPr>
@@ -23067,7 +23072,7 @@
           <p:cNvPr id="9" name="文本框 8">
             <a:extLst>
               <a:ext uri="{FF2B5EF4-FFF2-40B4-BE49-F238E27FC236}">
-                <a16:creationId xmlns="" xmlns:a16="http://schemas.microsoft.com/office/drawing/2014/main" id="{12D93FA4-D80E-4A67-99EF-9F750B6AE38D}"/>
+                <a16:creationId xmlns:a16="http://schemas.microsoft.com/office/drawing/2014/main" xmlns="" id="{12D93FA4-D80E-4A67-99EF-9F750B6AE38D}"/>
               </a:ext>
             </a:extLst>
           </p:cNvPr>
@@ -23259,7 +23264,7 @@
           <p:cNvPr id="4" name="矩形 3">
             <a:extLst>
               <a:ext uri="{FF2B5EF4-FFF2-40B4-BE49-F238E27FC236}">
-                <a16:creationId xmlns="" xmlns:a16="http://schemas.microsoft.com/office/drawing/2014/main" id="{4037BD16-B073-41FD-A35E-B8B520F88CC2}"/>
+                <a16:creationId xmlns:a16="http://schemas.microsoft.com/office/drawing/2014/main" xmlns="" id="{4037BD16-B073-41FD-A35E-B8B520F88CC2}"/>
               </a:ext>
             </a:extLst>
           </p:cNvPr>
@@ -23311,7 +23316,7 @@
           <p:cNvPr id="5" name="矩形 4">
             <a:extLst>
               <a:ext uri="{FF2B5EF4-FFF2-40B4-BE49-F238E27FC236}">
-                <a16:creationId xmlns="" xmlns:a16="http://schemas.microsoft.com/office/drawing/2014/main" id="{73242049-02DD-4909-A189-B029C4034C5E}"/>
+                <a16:creationId xmlns:a16="http://schemas.microsoft.com/office/drawing/2014/main" xmlns="" id="{73242049-02DD-4909-A189-B029C4034C5E}"/>
               </a:ext>
             </a:extLst>
           </p:cNvPr>
@@ -23372,7 +23377,7 @@
           <p:cNvPr id="2" name="文本框 1">
             <a:extLst>
               <a:ext uri="{FF2B5EF4-FFF2-40B4-BE49-F238E27FC236}">
-                <a16:creationId xmlns="" xmlns:a16="http://schemas.microsoft.com/office/drawing/2014/main" id="{953E4B71-FCEA-4A13-A307-9A8DA86BD2D2}"/>
+                <a16:creationId xmlns:a16="http://schemas.microsoft.com/office/drawing/2014/main" xmlns="" id="{953E4B71-FCEA-4A13-A307-9A8DA86BD2D2}"/>
               </a:ext>
             </a:extLst>
           </p:cNvPr>
@@ -23404,7 +23409,7 @@
           <p:cNvPr id="6" name="文本框 5">
             <a:extLst>
               <a:ext uri="{FF2B5EF4-FFF2-40B4-BE49-F238E27FC236}">
-                <a16:creationId xmlns="" xmlns:a16="http://schemas.microsoft.com/office/drawing/2014/main" id="{C865DEAC-7F6C-478D-B248-B49BABEE2B55}"/>
+                <a16:creationId xmlns:a16="http://schemas.microsoft.com/office/drawing/2014/main" xmlns="" id="{C865DEAC-7F6C-478D-B248-B49BABEE2B55}"/>
               </a:ext>
             </a:extLst>
           </p:cNvPr>
@@ -23502,7 +23507,7 @@
           <p:cNvPr id="7" name="图片 6">
             <a:extLst>
               <a:ext uri="{FF2B5EF4-FFF2-40B4-BE49-F238E27FC236}">
-                <a16:creationId xmlns="" xmlns:a16="http://schemas.microsoft.com/office/drawing/2014/main" id="{1E3D9E72-69D0-49FB-8CE0-EB634CDC9EF1}"/>
+                <a16:creationId xmlns:a16="http://schemas.microsoft.com/office/drawing/2014/main" xmlns="" id="{1E3D9E72-69D0-49FB-8CE0-EB634CDC9EF1}"/>
               </a:ext>
             </a:extLst>
           </p:cNvPr>
@@ -23532,7 +23537,7 @@
           <p:cNvPr id="8" name="文本框 7">
             <a:extLst>
               <a:ext uri="{FF2B5EF4-FFF2-40B4-BE49-F238E27FC236}">
-                <a16:creationId xmlns="" xmlns:a16="http://schemas.microsoft.com/office/drawing/2014/main" id="{F8BB654E-00CA-4767-9F36-8893E3DE510B}"/>
+                <a16:creationId xmlns:a16="http://schemas.microsoft.com/office/drawing/2014/main" xmlns="" id="{F8BB654E-00CA-4767-9F36-8893E3DE510B}"/>
               </a:ext>
             </a:extLst>
           </p:cNvPr>
@@ -23730,7 +23735,7 @@
           <p:cNvPr id="4" name="矩形 3">
             <a:extLst>
               <a:ext uri="{FF2B5EF4-FFF2-40B4-BE49-F238E27FC236}">
-                <a16:creationId xmlns="" xmlns:a16="http://schemas.microsoft.com/office/drawing/2014/main" id="{4037BD16-B073-41FD-A35E-B8B520F88CC2}"/>
+                <a16:creationId xmlns:a16="http://schemas.microsoft.com/office/drawing/2014/main" xmlns="" id="{4037BD16-B073-41FD-A35E-B8B520F88CC2}"/>
               </a:ext>
             </a:extLst>
           </p:cNvPr>
@@ -23782,7 +23787,7 @@
           <p:cNvPr id="5" name="矩形 4">
             <a:extLst>
               <a:ext uri="{FF2B5EF4-FFF2-40B4-BE49-F238E27FC236}">
-                <a16:creationId xmlns="" xmlns:a16="http://schemas.microsoft.com/office/drawing/2014/main" id="{73242049-02DD-4909-A189-B029C4034C5E}"/>
+                <a16:creationId xmlns:a16="http://schemas.microsoft.com/office/drawing/2014/main" xmlns="" id="{73242049-02DD-4909-A189-B029C4034C5E}"/>
               </a:ext>
             </a:extLst>
           </p:cNvPr>
@@ -23843,7 +23848,7 @@
           <p:cNvPr id="2" name="文本框 1">
             <a:extLst>
               <a:ext uri="{FF2B5EF4-FFF2-40B4-BE49-F238E27FC236}">
-                <a16:creationId xmlns="" xmlns:a16="http://schemas.microsoft.com/office/drawing/2014/main" id="{953E4B71-FCEA-4A13-A307-9A8DA86BD2D2}"/>
+                <a16:creationId xmlns:a16="http://schemas.microsoft.com/office/drawing/2014/main" xmlns="" id="{953E4B71-FCEA-4A13-A307-9A8DA86BD2D2}"/>
               </a:ext>
             </a:extLst>
           </p:cNvPr>
@@ -23875,7 +23880,7 @@
           <p:cNvPr id="6" name="文本框 5">
             <a:extLst>
               <a:ext uri="{FF2B5EF4-FFF2-40B4-BE49-F238E27FC236}">
-                <a16:creationId xmlns="" xmlns:a16="http://schemas.microsoft.com/office/drawing/2014/main" id="{C865DEAC-7F6C-478D-B248-B49BABEE2B55}"/>
+                <a16:creationId xmlns:a16="http://schemas.microsoft.com/office/drawing/2014/main" xmlns="" id="{C865DEAC-7F6C-478D-B248-B49BABEE2B55}"/>
               </a:ext>
             </a:extLst>
           </p:cNvPr>
@@ -23933,7 +23938,7 @@
           <p:cNvPr id="7" name="图片 6">
             <a:extLst>
               <a:ext uri="{FF2B5EF4-FFF2-40B4-BE49-F238E27FC236}">
-                <a16:creationId xmlns="" xmlns:a16="http://schemas.microsoft.com/office/drawing/2014/main" id="{1E3D9E72-69D0-49FB-8CE0-EB634CDC9EF1}"/>
+                <a16:creationId xmlns:a16="http://schemas.microsoft.com/office/drawing/2014/main" xmlns="" id="{1E3D9E72-69D0-49FB-8CE0-EB634CDC9EF1}"/>
               </a:ext>
             </a:extLst>
           </p:cNvPr>
@@ -23963,7 +23968,7 @@
           <p:cNvPr id="8" name="文本框 7">
             <a:extLst>
               <a:ext uri="{FF2B5EF4-FFF2-40B4-BE49-F238E27FC236}">
-                <a16:creationId xmlns="" xmlns:a16="http://schemas.microsoft.com/office/drawing/2014/main" id="{F8BB654E-00CA-4767-9F36-8893E3DE510B}"/>
+                <a16:creationId xmlns:a16="http://schemas.microsoft.com/office/drawing/2014/main" xmlns="" id="{F8BB654E-00CA-4767-9F36-8893E3DE510B}"/>
               </a:ext>
             </a:extLst>
           </p:cNvPr>
@@ -24145,7 +24150,7 @@
           <p:cNvPr id="4" name="矩形 3">
             <a:extLst>
               <a:ext uri="{FF2B5EF4-FFF2-40B4-BE49-F238E27FC236}">
-                <a16:creationId xmlns="" xmlns:a16="http://schemas.microsoft.com/office/drawing/2014/main" id="{4037BD16-B073-41FD-A35E-B8B520F88CC2}"/>
+                <a16:creationId xmlns:a16="http://schemas.microsoft.com/office/drawing/2014/main" xmlns="" id="{4037BD16-B073-41FD-A35E-B8B520F88CC2}"/>
               </a:ext>
             </a:extLst>
           </p:cNvPr>
@@ -24197,7 +24202,7 @@
           <p:cNvPr id="5" name="矩形 4">
             <a:extLst>
               <a:ext uri="{FF2B5EF4-FFF2-40B4-BE49-F238E27FC236}">
-                <a16:creationId xmlns="" xmlns:a16="http://schemas.microsoft.com/office/drawing/2014/main" id="{73242049-02DD-4909-A189-B029C4034C5E}"/>
+                <a16:creationId xmlns:a16="http://schemas.microsoft.com/office/drawing/2014/main" xmlns="" id="{73242049-02DD-4909-A189-B029C4034C5E}"/>
               </a:ext>
             </a:extLst>
           </p:cNvPr>
@@ -24258,7 +24263,7 @@
           <p:cNvPr id="2" name="文本框 1">
             <a:extLst>
               <a:ext uri="{FF2B5EF4-FFF2-40B4-BE49-F238E27FC236}">
-                <a16:creationId xmlns="" xmlns:a16="http://schemas.microsoft.com/office/drawing/2014/main" id="{953E4B71-FCEA-4A13-A307-9A8DA86BD2D2}"/>
+                <a16:creationId xmlns:a16="http://schemas.microsoft.com/office/drawing/2014/main" xmlns="" id="{953E4B71-FCEA-4A13-A307-9A8DA86BD2D2}"/>
               </a:ext>
             </a:extLst>
           </p:cNvPr>
@@ -24290,7 +24295,7 @@
           <p:cNvPr id="6" name="文本框 5">
             <a:extLst>
               <a:ext uri="{FF2B5EF4-FFF2-40B4-BE49-F238E27FC236}">
-                <a16:creationId xmlns="" xmlns:a16="http://schemas.microsoft.com/office/drawing/2014/main" id="{C865DEAC-7F6C-478D-B248-B49BABEE2B55}"/>
+                <a16:creationId xmlns:a16="http://schemas.microsoft.com/office/drawing/2014/main" xmlns="" id="{C865DEAC-7F6C-478D-B248-B49BABEE2B55}"/>
               </a:ext>
             </a:extLst>
           </p:cNvPr>
@@ -24348,7 +24353,7 @@
           <p:cNvPr id="7" name="图片 6">
             <a:extLst>
               <a:ext uri="{FF2B5EF4-FFF2-40B4-BE49-F238E27FC236}">
-                <a16:creationId xmlns="" xmlns:a16="http://schemas.microsoft.com/office/drawing/2014/main" id="{1E3D9E72-69D0-49FB-8CE0-EB634CDC9EF1}"/>
+                <a16:creationId xmlns:a16="http://schemas.microsoft.com/office/drawing/2014/main" xmlns="" id="{1E3D9E72-69D0-49FB-8CE0-EB634CDC9EF1}"/>
               </a:ext>
             </a:extLst>
           </p:cNvPr>
@@ -24378,7 +24383,7 @@
           <p:cNvPr id="8" name="文本框 7">
             <a:extLst>
               <a:ext uri="{FF2B5EF4-FFF2-40B4-BE49-F238E27FC236}">
-                <a16:creationId xmlns="" xmlns:a16="http://schemas.microsoft.com/office/drawing/2014/main" id="{F8BB654E-00CA-4767-9F36-8893E3DE510B}"/>
+                <a16:creationId xmlns:a16="http://schemas.microsoft.com/office/drawing/2014/main" xmlns="" id="{F8BB654E-00CA-4767-9F36-8893E3DE510B}"/>
               </a:ext>
             </a:extLst>
           </p:cNvPr>
@@ -24865,7 +24870,7 @@
           <p:cNvPr id="4" name="矩形 3">
             <a:extLst>
               <a:ext uri="{FF2B5EF4-FFF2-40B4-BE49-F238E27FC236}">
-                <a16:creationId xmlns="" xmlns:a16="http://schemas.microsoft.com/office/drawing/2014/main" id="{4037BD16-B073-41FD-A35E-B8B520F88CC2}"/>
+                <a16:creationId xmlns:a16="http://schemas.microsoft.com/office/drawing/2014/main" xmlns="" id="{4037BD16-B073-41FD-A35E-B8B520F88CC2}"/>
               </a:ext>
             </a:extLst>
           </p:cNvPr>
@@ -24917,7 +24922,7 @@
           <p:cNvPr id="5" name="矩形 4">
             <a:extLst>
               <a:ext uri="{FF2B5EF4-FFF2-40B4-BE49-F238E27FC236}">
-                <a16:creationId xmlns="" xmlns:a16="http://schemas.microsoft.com/office/drawing/2014/main" id="{73242049-02DD-4909-A189-B029C4034C5E}"/>
+                <a16:creationId xmlns:a16="http://schemas.microsoft.com/office/drawing/2014/main" xmlns="" id="{73242049-02DD-4909-A189-B029C4034C5E}"/>
               </a:ext>
             </a:extLst>
           </p:cNvPr>
@@ -24978,7 +24983,7 @@
           <p:cNvPr id="2" name="文本框 1">
             <a:extLst>
               <a:ext uri="{FF2B5EF4-FFF2-40B4-BE49-F238E27FC236}">
-                <a16:creationId xmlns="" xmlns:a16="http://schemas.microsoft.com/office/drawing/2014/main" id="{953E4B71-FCEA-4A13-A307-9A8DA86BD2D2}"/>
+                <a16:creationId xmlns:a16="http://schemas.microsoft.com/office/drawing/2014/main" xmlns="" id="{953E4B71-FCEA-4A13-A307-9A8DA86BD2D2}"/>
               </a:ext>
             </a:extLst>
           </p:cNvPr>
@@ -25010,7 +25015,7 @@
           <p:cNvPr id="6" name="文本框 5">
             <a:extLst>
               <a:ext uri="{FF2B5EF4-FFF2-40B4-BE49-F238E27FC236}">
-                <a16:creationId xmlns="" xmlns:a16="http://schemas.microsoft.com/office/drawing/2014/main" id="{C865DEAC-7F6C-478D-B248-B49BABEE2B55}"/>
+                <a16:creationId xmlns:a16="http://schemas.microsoft.com/office/drawing/2014/main" xmlns="" id="{C865DEAC-7F6C-478D-B248-B49BABEE2B55}"/>
               </a:ext>
             </a:extLst>
           </p:cNvPr>
@@ -25068,7 +25073,7 @@
           <p:cNvPr id="7" name="图片 6">
             <a:extLst>
               <a:ext uri="{FF2B5EF4-FFF2-40B4-BE49-F238E27FC236}">
-                <a16:creationId xmlns="" xmlns:a16="http://schemas.microsoft.com/office/drawing/2014/main" id="{1E3D9E72-69D0-49FB-8CE0-EB634CDC9EF1}"/>
+                <a16:creationId xmlns:a16="http://schemas.microsoft.com/office/drawing/2014/main" xmlns="" id="{1E3D9E72-69D0-49FB-8CE0-EB634CDC9EF1}"/>
               </a:ext>
             </a:extLst>
           </p:cNvPr>
@@ -25098,7 +25103,7 @@
           <p:cNvPr id="8" name="文本框 7">
             <a:extLst>
               <a:ext uri="{FF2B5EF4-FFF2-40B4-BE49-F238E27FC236}">
-                <a16:creationId xmlns="" xmlns:a16="http://schemas.microsoft.com/office/drawing/2014/main" id="{F8BB654E-00CA-4767-9F36-8893E3DE510B}"/>
+                <a16:creationId xmlns:a16="http://schemas.microsoft.com/office/drawing/2014/main" xmlns="" id="{F8BB654E-00CA-4767-9F36-8893E3DE510B}"/>
               </a:ext>
             </a:extLst>
           </p:cNvPr>
@@ -25388,7 +25393,7 @@
           <p:cNvPr id="4" name="矩形 3">
             <a:extLst>
               <a:ext uri="{FF2B5EF4-FFF2-40B4-BE49-F238E27FC236}">
-                <a16:creationId xmlns="" xmlns:a16="http://schemas.microsoft.com/office/drawing/2014/main" id="{4037BD16-B073-41FD-A35E-B8B520F88CC2}"/>
+                <a16:creationId xmlns:a16="http://schemas.microsoft.com/office/drawing/2014/main" xmlns="" id="{4037BD16-B073-41FD-A35E-B8B520F88CC2}"/>
               </a:ext>
             </a:extLst>
           </p:cNvPr>
@@ -25440,7 +25445,7 @@
           <p:cNvPr id="5" name="矩形 4">
             <a:extLst>
               <a:ext uri="{FF2B5EF4-FFF2-40B4-BE49-F238E27FC236}">
-                <a16:creationId xmlns="" xmlns:a16="http://schemas.microsoft.com/office/drawing/2014/main" id="{73242049-02DD-4909-A189-B029C4034C5E}"/>
+                <a16:creationId xmlns:a16="http://schemas.microsoft.com/office/drawing/2014/main" xmlns="" id="{73242049-02DD-4909-A189-B029C4034C5E}"/>
               </a:ext>
             </a:extLst>
           </p:cNvPr>
@@ -25501,7 +25506,7 @@
           <p:cNvPr id="2" name="文本框 1">
             <a:extLst>
               <a:ext uri="{FF2B5EF4-FFF2-40B4-BE49-F238E27FC236}">
-                <a16:creationId xmlns="" xmlns:a16="http://schemas.microsoft.com/office/drawing/2014/main" id="{953E4B71-FCEA-4A13-A307-9A8DA86BD2D2}"/>
+                <a16:creationId xmlns:a16="http://schemas.microsoft.com/office/drawing/2014/main" xmlns="" id="{953E4B71-FCEA-4A13-A307-9A8DA86BD2D2}"/>
               </a:ext>
             </a:extLst>
           </p:cNvPr>
@@ -25533,7 +25538,7 @@
           <p:cNvPr id="6" name="文本框 5">
             <a:extLst>
               <a:ext uri="{FF2B5EF4-FFF2-40B4-BE49-F238E27FC236}">
-                <a16:creationId xmlns="" xmlns:a16="http://schemas.microsoft.com/office/drawing/2014/main" id="{C865DEAC-7F6C-478D-B248-B49BABEE2B55}"/>
+                <a16:creationId xmlns:a16="http://schemas.microsoft.com/office/drawing/2014/main" xmlns="" id="{C865DEAC-7F6C-478D-B248-B49BABEE2B55}"/>
               </a:ext>
             </a:extLst>
           </p:cNvPr>
@@ -25591,7 +25596,7 @@
           <p:cNvPr id="7" name="图片 6">
             <a:extLst>
               <a:ext uri="{FF2B5EF4-FFF2-40B4-BE49-F238E27FC236}">
-                <a16:creationId xmlns="" xmlns:a16="http://schemas.microsoft.com/office/drawing/2014/main" id="{1E3D9E72-69D0-49FB-8CE0-EB634CDC9EF1}"/>
+                <a16:creationId xmlns:a16="http://schemas.microsoft.com/office/drawing/2014/main" xmlns="" id="{1E3D9E72-69D0-49FB-8CE0-EB634CDC9EF1}"/>
               </a:ext>
             </a:extLst>
           </p:cNvPr>
@@ -25621,7 +25626,7 @@
           <p:cNvPr id="8" name="文本框 7">
             <a:extLst>
               <a:ext uri="{FF2B5EF4-FFF2-40B4-BE49-F238E27FC236}">
-                <a16:creationId xmlns="" xmlns:a16="http://schemas.microsoft.com/office/drawing/2014/main" id="{F8BB654E-00CA-4767-9F36-8893E3DE510B}"/>
+                <a16:creationId xmlns:a16="http://schemas.microsoft.com/office/drawing/2014/main" xmlns="" id="{F8BB654E-00CA-4767-9F36-8893E3DE510B}"/>
               </a:ext>
             </a:extLst>
           </p:cNvPr>
@@ -25801,7 +25806,7 @@
           <p:cNvPr id="4" name="矩形 3">
             <a:extLst>
               <a:ext uri="{FF2B5EF4-FFF2-40B4-BE49-F238E27FC236}">
-                <a16:creationId xmlns="" xmlns:a16="http://schemas.microsoft.com/office/drawing/2014/main" id="{4037BD16-B073-41FD-A35E-B8B520F88CC2}"/>
+                <a16:creationId xmlns:a16="http://schemas.microsoft.com/office/drawing/2014/main" xmlns="" id="{4037BD16-B073-41FD-A35E-B8B520F88CC2}"/>
               </a:ext>
             </a:extLst>
           </p:cNvPr>
@@ -25853,7 +25858,7 @@
           <p:cNvPr id="5" name="矩形 4">
             <a:extLst>
               <a:ext uri="{FF2B5EF4-FFF2-40B4-BE49-F238E27FC236}">
-                <a16:creationId xmlns="" xmlns:a16="http://schemas.microsoft.com/office/drawing/2014/main" id="{73242049-02DD-4909-A189-B029C4034C5E}"/>
+                <a16:creationId xmlns:a16="http://schemas.microsoft.com/office/drawing/2014/main" xmlns="" id="{73242049-02DD-4909-A189-B029C4034C5E}"/>
               </a:ext>
             </a:extLst>
           </p:cNvPr>
@@ -25914,7 +25919,7 @@
           <p:cNvPr id="2" name="文本框 1">
             <a:extLst>
               <a:ext uri="{FF2B5EF4-FFF2-40B4-BE49-F238E27FC236}">
-                <a16:creationId xmlns="" xmlns:a16="http://schemas.microsoft.com/office/drawing/2014/main" id="{953E4B71-FCEA-4A13-A307-9A8DA86BD2D2}"/>
+                <a16:creationId xmlns:a16="http://schemas.microsoft.com/office/drawing/2014/main" xmlns="" id="{953E4B71-FCEA-4A13-A307-9A8DA86BD2D2}"/>
               </a:ext>
             </a:extLst>
           </p:cNvPr>
@@ -25946,7 +25951,7 @@
           <p:cNvPr id="6" name="文本框 5">
             <a:extLst>
               <a:ext uri="{FF2B5EF4-FFF2-40B4-BE49-F238E27FC236}">
-                <a16:creationId xmlns="" xmlns:a16="http://schemas.microsoft.com/office/drawing/2014/main" id="{C865DEAC-7F6C-478D-B248-B49BABEE2B55}"/>
+                <a16:creationId xmlns:a16="http://schemas.microsoft.com/office/drawing/2014/main" xmlns="" id="{C865DEAC-7F6C-478D-B248-B49BABEE2B55}"/>
               </a:ext>
             </a:extLst>
           </p:cNvPr>
@@ -26004,7 +26009,7 @@
           <p:cNvPr id="7" name="图片 6">
             <a:extLst>
               <a:ext uri="{FF2B5EF4-FFF2-40B4-BE49-F238E27FC236}">
-                <a16:creationId xmlns="" xmlns:a16="http://schemas.microsoft.com/office/drawing/2014/main" id="{1E3D9E72-69D0-49FB-8CE0-EB634CDC9EF1}"/>
+                <a16:creationId xmlns:a16="http://schemas.microsoft.com/office/drawing/2014/main" xmlns="" id="{1E3D9E72-69D0-49FB-8CE0-EB634CDC9EF1}"/>
               </a:ext>
             </a:extLst>
           </p:cNvPr>
@@ -26034,7 +26039,7 @@
           <p:cNvPr id="8" name="文本框 7">
             <a:extLst>
               <a:ext uri="{FF2B5EF4-FFF2-40B4-BE49-F238E27FC236}">
-                <a16:creationId xmlns="" xmlns:a16="http://schemas.microsoft.com/office/drawing/2014/main" id="{F8BB654E-00CA-4767-9F36-8893E3DE510B}"/>
+                <a16:creationId xmlns:a16="http://schemas.microsoft.com/office/drawing/2014/main" xmlns="" id="{F8BB654E-00CA-4767-9F36-8893E3DE510B}"/>
               </a:ext>
             </a:extLst>
           </p:cNvPr>
@@ -29196,7 +29201,7 @@
         </p:nvSpPr>
         <p:spPr>
           <a:xfrm>
-            <a:off x="3670378" y="4530198"/>
+            <a:off x="3638648" y="4883721"/>
             <a:ext cx="4914703" cy="487742"/>
           </a:xfrm>
           <a:prstGeom prst="rect">
@@ -29246,6 +29251,97 @@
               </a:rPr>
               <a:t>亚句级复用时共有的技术瓶颈</a:t>
             </a:r>
+          </a:p>
+        </p:txBody>
+      </p:sp>
+      <p:sp>
+        <p:nvSpPr>
+          <p:cNvPr id="18" name="矩形 17"/>
+          <p:cNvSpPr/>
+          <p:nvPr/>
+        </p:nvSpPr>
+        <p:spPr>
+          <a:xfrm>
+            <a:off x="3638648" y="3900979"/>
+            <a:ext cx="4896966" cy="450672"/>
+          </a:xfrm>
+          <a:prstGeom prst="rect">
+            <a:avLst/>
+          </a:prstGeom>
+          <a:solidFill>
+            <a:schemeClr val="accent1">
+              <a:lumMod val="50000"/>
+            </a:schemeClr>
+          </a:solidFill>
+          <a:ln>
+            <a:noFill/>
+          </a:ln>
+          <a:effectLst>
+            <a:outerShdw blurRad="50800" dist="38100" dir="5400000" algn="t" rotWithShape="0">
+              <a:prstClr val="black">
+                <a:alpha val="40000"/>
+              </a:prstClr>
+            </a:outerShdw>
+          </a:effectLst>
+        </p:spPr>
+        <p:style>
+          <a:lnRef idx="2">
+            <a:schemeClr val="accent1">
+              <a:shade val="50000"/>
+            </a:schemeClr>
+          </a:lnRef>
+          <a:fillRef idx="1">
+            <a:schemeClr val="accent1"/>
+          </a:fillRef>
+          <a:effectRef idx="0">
+            <a:schemeClr val="accent1"/>
+          </a:effectRef>
+          <a:fontRef idx="minor">
+            <a:schemeClr val="lt1"/>
+          </a:fontRef>
+        </p:style>
+        <p:txBody>
+          <a:bodyPr rtlCol="0" anchor="ctr"/>
+          <a:lstStyle/>
+          <a:p>
+            <a:pPr algn="ctr"/>
+            <a:r>
+              <a:rPr lang="zh-CN" altLang="en-US" sz="2800" dirty="0">
+                <a:solidFill>
+                  <a:schemeClr val="bg1"/>
+                </a:solidFill>
+                <a:latin typeface="微软雅黑" panose="020B0503020204020204" pitchFamily="34" charset="-122"/>
+                <a:ea typeface="微软雅黑" panose="020B0503020204020204" pitchFamily="34" charset="-122"/>
+              </a:rPr>
+              <a:t>亚句</a:t>
+            </a:r>
+            <a:r>
+              <a:rPr lang="zh-CN" altLang="en-US" sz="2800" dirty="0" smtClean="0">
+                <a:solidFill>
+                  <a:schemeClr val="bg1"/>
+                </a:solidFill>
+                <a:latin typeface="微软雅黑" panose="020B0503020204020204" pitchFamily="34" charset="-122"/>
+                <a:ea typeface="微软雅黑" panose="020B0503020204020204" pitchFamily="34" charset="-122"/>
+              </a:rPr>
+              <a:t>级</a:t>
+            </a:r>
+            <a:r>
+              <a:rPr lang="zh-CN" altLang="en-US" sz="2800" dirty="0" smtClean="0">
+                <a:solidFill>
+                  <a:schemeClr val="bg1"/>
+                </a:solidFill>
+                <a:latin typeface="微软雅黑" panose="020B0503020204020204" pitchFamily="34" charset="-122"/>
+                <a:ea typeface="微软雅黑" panose="020B0503020204020204" pitchFamily="34" charset="-122"/>
+              </a:rPr>
+              <a:t>复用技术初探</a:t>
+            </a:r>
+            <a:endParaRPr lang="zh-CN" altLang="en-US" sz="2800" dirty="0">
+              <a:solidFill>
+                <a:schemeClr val="bg1"/>
+              </a:solidFill>
+              <a:latin typeface="微软雅黑" panose="020B0503020204020204" pitchFamily="34" charset="-122"/>
+              <a:ea typeface="微软雅黑" panose="020B0503020204020204" pitchFamily="34" charset="-122"/>
+            </a:endParaRPr>
           </a:p>
         </p:txBody>
       </p:sp>
@@ -29368,6 +29464,7 @@
           <p:cNvPr id="31" name="直接箭头连接符 30"/>
           <p:cNvCxnSpPr>
             <a:stCxn id="16" idx="2"/>
+            <a:endCxn id="18" idx="0"/>
           </p:cNvCxnSpPr>
           <p:nvPr/>
         </p:nvCxnSpPr>
@@ -29408,6 +29505,7 @@
           <p:cNvPr id="32" name="直接箭头连接符 31"/>
           <p:cNvCxnSpPr>
             <a:stCxn id="15" idx="2"/>
+            <a:endCxn id="18" idx="0"/>
           </p:cNvCxnSpPr>
           <p:nvPr/>
         </p:nvCxnSpPr>
@@ -29484,12 +29582,14 @@
       <p:cxnSp>
         <p:nvCxnSpPr>
           <p:cNvPr id="56" name="直接箭头连接符 55"/>
-          <p:cNvCxnSpPr/>
+          <p:cNvCxnSpPr>
+            <a:endCxn id="17" idx="0"/>
+          </p:cNvCxnSpPr>
           <p:nvPr/>
         </p:nvCxnSpPr>
         <p:spPr>
           <a:xfrm>
-            <a:off x="6096000" y="3900979"/>
+            <a:off x="6096000" y="4351651"/>
             <a:ext cx="0" cy="532070"/>
           </a:xfrm>
           <a:prstGeom prst="straightConnector1">
@@ -29520,6 +29620,11 @@
         </p:style>
       </p:cxnSp>
     </p:spTree>
+    <p:extLst>
+      <p:ext uri="{BB962C8B-B14F-4D97-AF65-F5344CB8AC3E}">
+        <p14:creationId xmlns:p14="http://schemas.microsoft.com/office/powerpoint/2010/main" val="574048487"/>
+      </p:ext>
+    </p:extLst>
   </p:cSld>
   <p:clrMapOvr>
     <a:masterClrMapping/>
@@ -31758,6 +31863,13 @@
   <p:clrMapOvr>
     <a:masterClrMapping/>
   </p:clrMapOvr>
+  <p:timing>
+    <p:tnLst>
+      <p:par>
+        <p:cTn id="1" dur="indefinite" restart="never" nodeType="tmRoot"/>
+      </p:par>
+    </p:tnLst>
+  </p:timing>
 </p:sld>
 </file>
 
@@ -31938,6 +32050,13 @@
   <p:clrMapOvr>
     <a:masterClrMapping/>
   </p:clrMapOvr>
+  <p:timing>
+    <p:tnLst>
+      <p:par>
+        <p:cTn id="1" dur="indefinite" restart="never" nodeType="tmRoot"/>
+      </p:par>
+    </p:tnLst>
+  </p:timing>
 </p:sld>
 </file>
 
@@ -32501,6 +32620,13 @@
   <p:clrMapOvr>
     <a:masterClrMapping/>
   </p:clrMapOvr>
+  <p:timing>
+    <p:tnLst>
+      <p:par>
+        <p:cTn id="1" dur="indefinite" restart="never" nodeType="tmRoot"/>
+      </p:par>
+    </p:tnLst>
+  </p:timing>
 </p:sld>
 </file>
 
@@ -34166,7 +34292,7 @@
           <p:cNvPr id="7" name="图片 6">
             <a:extLst>
               <a:ext uri="{FF2B5EF4-FFF2-40B4-BE49-F238E27FC236}">
-                <a16:creationId xmlns="" xmlns:a16="http://schemas.microsoft.com/office/drawing/2014/main" id="{33669614-A427-473F-9AF4-49EF1D9273D6}"/>
+                <a16:creationId xmlns:a16="http://schemas.microsoft.com/office/drawing/2014/main" xmlns="" id="{33669614-A427-473F-9AF4-49EF1D9273D6}"/>
               </a:ext>
             </a:extLst>
           </p:cNvPr>
